--- a/overcoming challenges of ai deployment.pptx
+++ b/overcoming challenges of ai deployment.pptx
@@ -1349,7 +1349,7 @@
           <a:effectLst/>
           <a:extLst>
             <a:ext uri="{AF507438-7753-43e0-B8FC-AC1667EBCBE1}">
-              <a14:hiddenEffects xmlns:a14="http://schemas.microsoft.com/office/drawing/2010/main" xmlns="">
+              <a14:hiddenEffects xmlns="" xmlns:a14="http://schemas.microsoft.com/office/drawing/2010/main">
                 <a:effectLst>
                   <a:outerShdw blurRad="63500" dist="38099" dir="2700000" algn="ctr" rotWithShape="0">
                     <a:schemeClr val="bg2">
@@ -1391,7 +1391,7 @@
           <a:effectLst/>
           <a:extLst>
             <a:ext uri="{AF507438-7753-43e0-B8FC-AC1667EBCBE1}">
-              <a14:hiddenEffects xmlns:a14="http://schemas.microsoft.com/office/drawing/2010/main" xmlns="">
+              <a14:hiddenEffects xmlns="" xmlns:a14="http://schemas.microsoft.com/office/drawing/2010/main">
                 <a:effectLst>
                   <a:outerShdw blurRad="63500" dist="38099" dir="2700000" algn="ctr" rotWithShape="0">
                     <a:schemeClr val="bg2">
@@ -2685,14 +2685,14 @@
           <a:effectLst/>
           <a:extLst>
             <a:ext uri="{909E8E84-426E-40dd-AFC4-6F175D3DCCD1}">
-              <a14:hiddenFill xmlns:a14="http://schemas.microsoft.com/office/drawing/2010/main" xmlns="">
+              <a14:hiddenFill xmlns="" xmlns:a14="http://schemas.microsoft.com/office/drawing/2010/main">
                 <a:solidFill>
                   <a:schemeClr val="accent1"/>
                 </a:solidFill>
               </a14:hiddenFill>
             </a:ext>
             <a:ext uri="{91240B29-F687-4f45-9708-019B960494DF}">
-              <a14:hiddenLine xmlns:a14="http://schemas.microsoft.com/office/drawing/2010/main" xmlns="" w="9525">
+              <a14:hiddenLine xmlns="" xmlns:a14="http://schemas.microsoft.com/office/drawing/2010/main" w="9525">
                 <a:solidFill>
                   <a:schemeClr val="tx1"/>
                 </a:solidFill>
@@ -2702,7 +2702,7 @@
               </a14:hiddenLine>
             </a:ext>
             <a:ext uri="{AF507438-7753-43e0-B8FC-AC1667EBCBE1}">
-              <a14:hiddenEffects xmlns:a14="http://schemas.microsoft.com/office/drawing/2010/main" xmlns="">
+              <a14:hiddenEffects xmlns="" xmlns:a14="http://schemas.microsoft.com/office/drawing/2010/main">
                 <a:effectLst>
                   <a:outerShdw blurRad="63500" dist="38099" dir="2700000" algn="ctr" rotWithShape="0">
                     <a:schemeClr val="bg2">
@@ -2713,7 +2713,7 @@
               </a14:hiddenEffects>
             </a:ext>
             <a:ext uri="{FAA26D3D-D897-4be2-8F04-BA451C77F1D7}">
-              <ma14:placeholderFlag xmlns:ma14="http://schemas.microsoft.com/office/mac/drawingml/2011/main" xmlns="" val="1"/>
+              <ma14:placeholderFlag xmlns="" xmlns:ma14="http://schemas.microsoft.com/office/mac/drawingml/2011/main" val="1"/>
             </a:ext>
           </a:extLst>
         </p:spPr>
@@ -2758,14 +2758,14 @@
           <a:effectLst/>
           <a:extLst>
             <a:ext uri="{909E8E84-426E-40dd-AFC4-6F175D3DCCD1}">
-              <a14:hiddenFill xmlns:a14="http://schemas.microsoft.com/office/drawing/2010/main" xmlns="">
+              <a14:hiddenFill xmlns="" xmlns:a14="http://schemas.microsoft.com/office/drawing/2010/main">
                 <a:solidFill>
                   <a:schemeClr val="accent1"/>
                 </a:solidFill>
               </a14:hiddenFill>
             </a:ext>
             <a:ext uri="{91240B29-F687-4f45-9708-019B960494DF}">
-              <a14:hiddenLine xmlns:a14="http://schemas.microsoft.com/office/drawing/2010/main" xmlns="" w="9525">
+              <a14:hiddenLine xmlns="" xmlns:a14="http://schemas.microsoft.com/office/drawing/2010/main" w="9525">
                 <a:solidFill>
                   <a:schemeClr val="tx1"/>
                 </a:solidFill>
@@ -2775,7 +2775,7 @@
               </a14:hiddenLine>
             </a:ext>
             <a:ext uri="{AF507438-7753-43e0-B8FC-AC1667EBCBE1}">
-              <a14:hiddenEffects xmlns:a14="http://schemas.microsoft.com/office/drawing/2010/main" xmlns="">
+              <a14:hiddenEffects xmlns="" xmlns:a14="http://schemas.microsoft.com/office/drawing/2010/main">
                 <a:effectLst>
                   <a:outerShdw blurRad="63500" dist="38099" dir="2700000" algn="ctr" rotWithShape="0">
                     <a:schemeClr val="bg2">
@@ -2786,7 +2786,7 @@
               </a14:hiddenEffects>
             </a:ext>
             <a:ext uri="{FAA26D3D-D897-4be2-8F04-BA451C77F1D7}">
-              <ma14:placeholderFlag xmlns:ma14="http://schemas.microsoft.com/office/mac/drawingml/2011/main" xmlns="" val="1"/>
+              <ma14:placeholderFlag xmlns="" xmlns:ma14="http://schemas.microsoft.com/office/mac/drawingml/2011/main" val="1"/>
             </a:ext>
           </a:extLst>
         </p:spPr>
@@ -4620,7 +4620,7 @@
           <a:effectLst/>
           <a:extLst>
             <a:ext uri="{AF507438-7753-43e0-B8FC-AC1667EBCBE1}">
-              <a14:hiddenEffects xmlns:a14="http://schemas.microsoft.com/office/drawing/2010/main" xmlns="">
+              <a14:hiddenEffects xmlns="" xmlns:a14="http://schemas.microsoft.com/office/drawing/2010/main">
                 <a:effectLst>
                   <a:outerShdw blurRad="63500" dist="38099" dir="2700000" algn="ctr" rotWithShape="0">
                     <a:schemeClr val="bg2">
@@ -4829,7 +4829,7 @@
           <a:effectLst/>
           <a:extLst>
             <a:ext uri="{AF507438-7753-43e0-B8FC-AC1667EBCBE1}">
-              <a14:hiddenEffects xmlns:a14="http://schemas.microsoft.com/office/drawing/2010/main" xmlns="">
+              <a14:hiddenEffects xmlns="" xmlns:a14="http://schemas.microsoft.com/office/drawing/2010/main">
                 <a:effectLst>
                   <a:outerShdw blurRad="63500" dist="38099" dir="2700000" algn="ctr" rotWithShape="0">
                     <a:schemeClr val="bg2">
@@ -5164,7 +5164,7 @@
           <a:effectLst/>
           <a:extLst>
             <a:ext uri="{AF507438-7753-43e0-B8FC-AC1667EBCBE1}">
-              <a14:hiddenEffects xmlns:a14="http://schemas.microsoft.com/office/drawing/2010/main" xmlns="">
+              <a14:hiddenEffects xmlns="" xmlns:a14="http://schemas.microsoft.com/office/drawing/2010/main">
                 <a:effectLst>
                   <a:outerShdw blurRad="63500" dist="38099" dir="2700000" algn="ctr" rotWithShape="0">
                     <a:schemeClr val="bg2">
@@ -5392,7 +5392,7 @@
           <a:effectLst/>
           <a:extLst>
             <a:ext uri="{AF507438-7753-43e0-B8FC-AC1667EBCBE1}">
-              <a14:hiddenEffects xmlns:a14="http://schemas.microsoft.com/office/drawing/2010/main" xmlns="">
+              <a14:hiddenEffects xmlns="" xmlns:a14="http://schemas.microsoft.com/office/drawing/2010/main">
                 <a:effectLst>
                   <a:outerShdw blurRad="63500" dist="38099" dir="2700000" algn="ctr" rotWithShape="0">
                     <a:schemeClr val="bg2">
@@ -5478,7 +5478,7 @@
           <a:effectLst/>
           <a:extLst>
             <a:ext uri="{AF507438-7753-43e0-B8FC-AC1667EBCBE1}">
-              <a14:hiddenEffects xmlns:a14="http://schemas.microsoft.com/office/drawing/2010/main" xmlns="">
+              <a14:hiddenEffects xmlns="" xmlns:a14="http://schemas.microsoft.com/office/drawing/2010/main">
                 <a:effectLst>
                   <a:outerShdw blurRad="63500" dist="38099" dir="2700000" algn="ctr" rotWithShape="0">
                     <a:schemeClr val="bg2">
@@ -5564,7 +5564,7 @@
           <a:effectLst/>
           <a:extLst>
             <a:ext uri="{AF507438-7753-43e0-B8FC-AC1667EBCBE1}">
-              <a14:hiddenEffects xmlns:a14="http://schemas.microsoft.com/office/drawing/2010/main" xmlns="">
+              <a14:hiddenEffects xmlns="" xmlns:a14="http://schemas.microsoft.com/office/drawing/2010/main">
                 <a:effectLst>
                   <a:outerShdw blurRad="63500" dist="38099" dir="2700000" algn="ctr" rotWithShape="0">
                     <a:schemeClr val="bg2">
@@ -5650,7 +5650,7 @@
           <a:effectLst/>
           <a:extLst>
             <a:ext uri="{AF507438-7753-43e0-B8FC-AC1667EBCBE1}">
-              <a14:hiddenEffects xmlns:a14="http://schemas.microsoft.com/office/drawing/2010/main" xmlns="">
+              <a14:hiddenEffects xmlns="" xmlns:a14="http://schemas.microsoft.com/office/drawing/2010/main">
                 <a:effectLst>
                   <a:outerShdw blurRad="63500" dist="38099" dir="2700000" algn="ctr" rotWithShape="0">
                     <a:schemeClr val="bg2">
@@ -7027,7 +7027,7 @@
           <a:effectLst/>
           <a:extLst>
             <a:ext uri="{AF507438-7753-43e0-B8FC-AC1667EBCBE1}">
-              <a14:hiddenEffects xmlns:a14="http://schemas.microsoft.com/office/drawing/2010/main" xmlns="">
+              <a14:hiddenEffects xmlns="" xmlns:a14="http://schemas.microsoft.com/office/drawing/2010/main">
                 <a:effectLst>
                   <a:outerShdw blurRad="63500" dist="38099" dir="2700000" algn="ctr" rotWithShape="0">
                     <a:schemeClr val="bg2">
@@ -7111,7 +7111,7 @@
           <a:effectLst/>
           <a:extLst>
             <a:ext uri="{AF507438-7753-43e0-B8FC-AC1667EBCBE1}">
-              <a14:hiddenEffects xmlns:a14="http://schemas.microsoft.com/office/drawing/2010/main" xmlns="">
+              <a14:hiddenEffects xmlns="" xmlns:a14="http://schemas.microsoft.com/office/drawing/2010/main">
                 <a:effectLst>
                   <a:outerShdw blurRad="63500" dist="38099" dir="2700000" algn="ctr" rotWithShape="0">
                     <a:schemeClr val="bg2">
@@ -7556,7 +7556,7 @@
           <a:effectLst/>
           <a:extLst>
             <a:ext uri="{AF507438-7753-43e0-B8FC-AC1667EBCBE1}">
-              <a14:hiddenEffects xmlns:a14="http://schemas.microsoft.com/office/drawing/2010/main" xmlns="">
+              <a14:hiddenEffects xmlns="" xmlns:a14="http://schemas.microsoft.com/office/drawing/2010/main">
                 <a:effectLst>
                   <a:outerShdw blurRad="63500" dist="38099" dir="2700000" algn="ctr" rotWithShape="0">
                     <a:schemeClr val="bg2">
@@ -7780,7 +7780,7 @@
           <a:effectLst/>
           <a:extLst>
             <a:ext uri="{AF507438-7753-43e0-B8FC-AC1667EBCBE1}">
-              <a14:hiddenEffects xmlns:a14="http://schemas.microsoft.com/office/drawing/2010/main" xmlns="">
+              <a14:hiddenEffects xmlns="" xmlns:a14="http://schemas.microsoft.com/office/drawing/2010/main">
                 <a:effectLst>
                   <a:outerShdw blurRad="63500" dist="38099" dir="2700000" algn="ctr" rotWithShape="0">
                     <a:schemeClr val="bg2">
@@ -7866,7 +7866,7 @@
           <a:effectLst/>
           <a:extLst>
             <a:ext uri="{AF507438-7753-43e0-B8FC-AC1667EBCBE1}">
-              <a14:hiddenEffects xmlns:a14="http://schemas.microsoft.com/office/drawing/2010/main" xmlns="">
+              <a14:hiddenEffects xmlns="" xmlns:a14="http://schemas.microsoft.com/office/drawing/2010/main">
                 <a:effectLst>
                   <a:outerShdw blurRad="63500" dist="38099" dir="2700000" algn="ctr" rotWithShape="0">
                     <a:schemeClr val="bg2">
@@ -7952,7 +7952,7 @@
           <a:effectLst/>
           <a:extLst>
             <a:ext uri="{AF507438-7753-43e0-B8FC-AC1667EBCBE1}">
-              <a14:hiddenEffects xmlns:a14="http://schemas.microsoft.com/office/drawing/2010/main" xmlns="">
+              <a14:hiddenEffects xmlns="" xmlns:a14="http://schemas.microsoft.com/office/drawing/2010/main">
                 <a:effectLst>
                   <a:outerShdw blurRad="63500" dist="38099" dir="2700000" algn="ctr" rotWithShape="0">
                     <a:schemeClr val="bg2">
@@ -8038,7 +8038,7 @@
           <a:effectLst/>
           <a:extLst>
             <a:ext uri="{AF507438-7753-43e0-B8FC-AC1667EBCBE1}">
-              <a14:hiddenEffects xmlns:a14="http://schemas.microsoft.com/office/drawing/2010/main" xmlns="">
+              <a14:hiddenEffects xmlns="" xmlns:a14="http://schemas.microsoft.com/office/drawing/2010/main">
                 <a:effectLst>
                   <a:outerShdw blurRad="63500" dist="38099" dir="2700000" algn="ctr" rotWithShape="0">
                     <a:schemeClr val="bg2">
@@ -8204,7 +8204,7 @@
           <a:effectLst/>
           <a:extLst>
             <a:ext uri="{AF507438-7753-43e0-B8FC-AC1667EBCBE1}">
-              <a14:hiddenEffects xmlns:a14="http://schemas.microsoft.com/office/drawing/2010/main" xmlns="">
+              <a14:hiddenEffects xmlns="" xmlns:a14="http://schemas.microsoft.com/office/drawing/2010/main">
                 <a:effectLst>
                   <a:outerShdw blurRad="63500" dist="38099" dir="2700000" algn="ctr" rotWithShape="0">
                     <a:schemeClr val="bg2">
@@ -9017,7 +9017,7 @@
           <a:effectLst/>
           <a:extLst>
             <a:ext uri="{AF507438-7753-43e0-B8FC-AC1667EBCBE1}">
-              <a14:hiddenEffects xmlns:a14="http://schemas.microsoft.com/office/drawing/2010/main" xmlns="">
+              <a14:hiddenEffects xmlns="" xmlns:a14="http://schemas.microsoft.com/office/drawing/2010/main">
                 <a:effectLst>
                   <a:outerShdw blurRad="63500" dist="38099" dir="2700000" algn="ctr" rotWithShape="0">
                     <a:schemeClr val="bg2">
@@ -9103,7 +9103,7 @@
           <a:effectLst/>
           <a:extLst>
             <a:ext uri="{AF507438-7753-43e0-B8FC-AC1667EBCBE1}">
-              <a14:hiddenEffects xmlns:a14="http://schemas.microsoft.com/office/drawing/2010/main" xmlns="">
+              <a14:hiddenEffects xmlns="" xmlns:a14="http://schemas.microsoft.com/office/drawing/2010/main">
                 <a:effectLst>
                   <a:outerShdw blurRad="63500" dist="38099" dir="2700000" algn="ctr" rotWithShape="0">
                     <a:schemeClr val="bg2">
@@ -9192,7 +9192,7 @@
           <a:effectLst/>
           <a:extLst>
             <a:ext uri="{AF507438-7753-43e0-B8FC-AC1667EBCBE1}">
-              <a14:hiddenEffects xmlns:a14="http://schemas.microsoft.com/office/drawing/2010/main" xmlns="">
+              <a14:hiddenEffects xmlns="" xmlns:a14="http://schemas.microsoft.com/office/drawing/2010/main">
                 <a:effectLst>
                   <a:outerShdw blurRad="63500" dist="38099" dir="2700000" algn="ctr" rotWithShape="0">
                     <a:schemeClr val="bg2">
@@ -15741,7 +15741,7 @@
           <a:effectLst/>
           <a:extLst>
             <a:ext uri="{AF507438-7753-43e0-B8FC-AC1667EBCBE1}">
-              <a14:hiddenEffects xmlns:a14="http://schemas.microsoft.com/office/drawing/2010/main" xmlns="">
+              <a14:hiddenEffects xmlns="" xmlns:a14="http://schemas.microsoft.com/office/drawing/2010/main">
                 <a:effectLst>
                   <a:outerShdw blurRad="63500" dist="38099" dir="2700000" algn="ctr" rotWithShape="0">
                     <a:schemeClr val="bg2">
@@ -15916,7 +15916,7 @@
           <a:effectLst/>
           <a:extLst>
             <a:ext uri="{AF507438-7753-43e0-B8FC-AC1667EBCBE1}">
-              <a14:hiddenEffects xmlns:a14="http://schemas.microsoft.com/office/drawing/2010/main" xmlns="">
+              <a14:hiddenEffects xmlns="" xmlns:a14="http://schemas.microsoft.com/office/drawing/2010/main">
                 <a:effectLst>
                   <a:outerShdw blurRad="63500" dist="38099" dir="2700000" algn="ctr" rotWithShape="0">
                     <a:schemeClr val="bg2">
@@ -16005,7 +16005,7 @@
           <a:effectLst/>
           <a:extLst>
             <a:ext uri="{AF507438-7753-43e0-B8FC-AC1667EBCBE1}">
-              <a14:hiddenEffects xmlns:a14="http://schemas.microsoft.com/office/drawing/2010/main" xmlns="">
+              <a14:hiddenEffects xmlns="" xmlns:a14="http://schemas.microsoft.com/office/drawing/2010/main">
                 <a:effectLst>
                   <a:outerShdw blurRad="63500" dist="38099" dir="2700000" algn="ctr" rotWithShape="0">
                     <a:schemeClr val="bg2">
@@ -16198,6 +16198,36 @@
           </a:p>
         </p:txBody>
       </p:sp>
+      <p:pic>
+        <p:nvPicPr>
+          <p:cNvPr id="12" name="Picture 11">
+            <a:extLst>
+              <a:ext uri="{FF2B5EF4-FFF2-40B4-BE49-F238E27FC236}">
+                <a16:creationId xmlns:a16="http://schemas.microsoft.com/office/drawing/2014/main" id="{9914EF82-8665-069A-DA9C-7986A7C9BE47}"/>
+              </a:ext>
+            </a:extLst>
+          </p:cNvPr>
+          <p:cNvPicPr>
+            <a:picLocks noChangeAspect="1"/>
+          </p:cNvPicPr>
+          <p:nvPr/>
+        </p:nvPicPr>
+        <p:blipFill>
+          <a:blip r:embed="rId2"/>
+          <a:stretch>
+            <a:fillRect/>
+          </a:stretch>
+        </p:blipFill>
+        <p:spPr>
+          <a:xfrm>
+            <a:off x="4554311" y="2209800"/>
+            <a:ext cx="4476750" cy="3119438"/>
+          </a:xfrm>
+          <a:prstGeom prst="rect">
+            <a:avLst/>
+          </a:prstGeom>
+        </p:spPr>
+      </p:pic>
       <p:sp>
         <p:nvSpPr>
           <p:cNvPr id="3" name="Content Placeholder 2">
@@ -16254,706 +16284,19 @@
             <a:pPr lvl="1"/>
             <a:r>
               <a:rPr lang="en-US" dirty="0"/>
-              <a:t>Releasing to build stage</a:t>
+              <a:t>Releasing </a:t>
+            </a:r>
+            <a:r>
+              <a:rPr lang="en-US"/>
+              <a:t>to system build </a:t>
+            </a:r>
+            <a:r>
+              <a:rPr lang="en-US" dirty="0"/>
+              <a:t>stage</a:t>
             </a:r>
           </a:p>
         </p:txBody>
       </p:sp>
-      <p:grpSp>
-        <p:nvGrpSpPr>
-          <p:cNvPr id="11" name="Group 10">
-            <a:extLst>
-              <a:ext uri="{FF2B5EF4-FFF2-40B4-BE49-F238E27FC236}">
-                <a16:creationId xmlns:a16="http://schemas.microsoft.com/office/drawing/2014/main" id="{3C967468-9BDE-1A26-43E7-32DCA221E0C8}"/>
-              </a:ext>
-            </a:extLst>
-          </p:cNvPr>
-          <p:cNvGrpSpPr/>
-          <p:nvPr/>
-        </p:nvGrpSpPr>
-        <p:grpSpPr>
-          <a:xfrm>
-            <a:off x="5075748" y="2590800"/>
-            <a:ext cx="3382452" cy="2208449"/>
-            <a:chOff x="2407841" y="3087438"/>
-            <a:chExt cx="3382452" cy="2208449"/>
-          </a:xfrm>
-        </p:grpSpPr>
-        <p:sp>
-          <p:nvSpPr>
-            <p:cNvPr id="4" name="Google Shape;181;p3">
-              <a:extLst>
-                <a:ext uri="{FF2B5EF4-FFF2-40B4-BE49-F238E27FC236}">
-                  <a16:creationId xmlns:a16="http://schemas.microsoft.com/office/drawing/2014/main" id="{D02992E2-0FC9-C3C4-EA01-776F1CB50310}"/>
-                </a:ext>
-              </a:extLst>
-            </p:cNvPr>
-            <p:cNvSpPr/>
-            <p:nvPr/>
-          </p:nvSpPr>
-          <p:spPr>
-            <a:xfrm rot="16590835">
-              <a:off x="4247074" y="3881381"/>
-              <a:ext cx="1308187" cy="1520825"/>
-            </a:xfrm>
-            <a:custGeom>
-              <a:avLst/>
-              <a:gdLst/>
-              <a:ahLst/>
-              <a:cxnLst/>
-              <a:rect l="l" t="t" r="r" b="b"/>
-              <a:pathLst>
-                <a:path w="2262" h="2634" extrusionOk="0">
-                  <a:moveTo>
-                    <a:pt x="2262" y="1075"/>
-                  </a:moveTo>
-                  <a:lnTo>
-                    <a:pt x="2209" y="1039"/>
-                  </a:lnTo>
-                  <a:lnTo>
-                    <a:pt x="2111" y="961"/>
-                  </a:lnTo>
-                  <a:lnTo>
-                    <a:pt x="2020" y="874"/>
-                  </a:lnTo>
-                  <a:lnTo>
-                    <a:pt x="1938" y="779"/>
-                  </a:lnTo>
-                  <a:lnTo>
-                    <a:pt x="1864" y="677"/>
-                  </a:lnTo>
-                  <a:lnTo>
-                    <a:pt x="1801" y="567"/>
-                  </a:lnTo>
-                  <a:lnTo>
-                    <a:pt x="1748" y="452"/>
-                  </a:lnTo>
-                  <a:lnTo>
-                    <a:pt x="1706" y="331"/>
-                  </a:lnTo>
-                  <a:lnTo>
-                    <a:pt x="1689" y="267"/>
-                  </a:lnTo>
-                  <a:lnTo>
-                    <a:pt x="731" y="0"/>
-                  </a:lnTo>
-                  <a:lnTo>
-                    <a:pt x="0" y="649"/>
-                  </a:lnTo>
-                  <a:lnTo>
-                    <a:pt x="20" y="729"/>
-                  </a:lnTo>
-                  <a:lnTo>
-                    <a:pt x="65" y="884"/>
-                  </a:lnTo>
-                  <a:lnTo>
-                    <a:pt x="118" y="1037"/>
-                  </a:lnTo>
-                  <a:lnTo>
-                    <a:pt x="181" y="1188"/>
-                  </a:lnTo>
-                  <a:lnTo>
-                    <a:pt x="249" y="1333"/>
-                  </a:lnTo>
-                  <a:lnTo>
-                    <a:pt x="324" y="1473"/>
-                  </a:lnTo>
-                  <a:lnTo>
-                    <a:pt x="407" y="1610"/>
-                  </a:lnTo>
-                  <a:lnTo>
-                    <a:pt x="497" y="1741"/>
-                  </a:lnTo>
-                  <a:lnTo>
-                    <a:pt x="593" y="1868"/>
-                  </a:lnTo>
-                  <a:lnTo>
-                    <a:pt x="695" y="1989"/>
-                  </a:lnTo>
-                  <a:lnTo>
-                    <a:pt x="804" y="2105"/>
-                  </a:lnTo>
-                  <a:lnTo>
-                    <a:pt x="918" y="2216"/>
-                  </a:lnTo>
-                  <a:lnTo>
-                    <a:pt x="1039" y="2319"/>
-                  </a:lnTo>
-                  <a:lnTo>
-                    <a:pt x="1163" y="2418"/>
-                  </a:lnTo>
-                  <a:lnTo>
-                    <a:pt x="1294" y="2510"/>
-                  </a:lnTo>
-                  <a:lnTo>
-                    <a:pt x="1429" y="2594"/>
-                  </a:lnTo>
-                  <a:lnTo>
-                    <a:pt x="1497" y="2634"/>
-                  </a:lnTo>
-                  <a:lnTo>
-                    <a:pt x="1447" y="1663"/>
-                  </a:lnTo>
-                  <a:lnTo>
-                    <a:pt x="2262" y="1075"/>
-                  </a:lnTo>
-                  <a:close/>
-                </a:path>
-              </a:pathLst>
-            </a:custGeom>
-            <a:solidFill>
-              <a:schemeClr val="bg1">
-                <a:lumMod val="50000"/>
-              </a:schemeClr>
-            </a:solidFill>
-            <a:ln>
-              <a:noFill/>
-            </a:ln>
-          </p:spPr>
-          <p:txBody>
-            <a:bodyPr spcFirstLastPara="1" wrap="square" lIns="342900" tIns="34275" rIns="68575" bIns="34275" anchor="ctr" anchorCtr="0">
-              <a:noAutofit/>
-            </a:bodyPr>
-            <a:lstStyle/>
-            <a:p>
-              <a:pPr algn="ctr"/>
-              <a:endParaRPr sz="1800" b="1">
-                <a:solidFill>
-                  <a:schemeClr val="bg1"/>
-                </a:solidFill>
-                <a:latin typeface="Times New Roman" panose="02020603050405020304" pitchFamily="18" charset="0"/>
-                <a:ea typeface="Verdana"/>
-                <a:cs typeface="Times New Roman" panose="02020603050405020304" pitchFamily="18" charset="0"/>
-                <a:sym typeface="Verdana"/>
-              </a:endParaRPr>
-            </a:p>
-          </p:txBody>
-        </p:sp>
-        <p:sp>
-          <p:nvSpPr>
-            <p:cNvPr id="5" name="Google Shape;185;p3">
-              <a:extLst>
-                <a:ext uri="{FF2B5EF4-FFF2-40B4-BE49-F238E27FC236}">
-                  <a16:creationId xmlns:a16="http://schemas.microsoft.com/office/drawing/2014/main" id="{A748DBAF-41D4-9CE0-1D0E-2B987C5D00F2}"/>
-                </a:ext>
-              </a:extLst>
-            </p:cNvPr>
-            <p:cNvSpPr/>
-            <p:nvPr/>
-          </p:nvSpPr>
-          <p:spPr>
-            <a:xfrm rot="16590835">
-              <a:off x="3120304" y="3930086"/>
-              <a:ext cx="1162577" cy="1389083"/>
-            </a:xfrm>
-            <a:custGeom>
-              <a:avLst/>
-              <a:gdLst/>
-              <a:ahLst/>
-              <a:cxnLst/>
-              <a:rect l="l" t="t" r="r" b="b"/>
-              <a:pathLst>
-                <a:path w="2009" h="2406" extrusionOk="0">
-                  <a:moveTo>
-                    <a:pt x="1737" y="2034"/>
-                  </a:moveTo>
-                  <a:lnTo>
-                    <a:pt x="1732" y="1968"/>
-                  </a:lnTo>
-                  <a:lnTo>
-                    <a:pt x="1730" y="1901"/>
-                  </a:lnTo>
-                  <a:lnTo>
-                    <a:pt x="1732" y="1844"/>
-                  </a:lnTo>
-                  <a:lnTo>
-                    <a:pt x="1741" y="1730"/>
-                  </a:lnTo>
-                  <a:lnTo>
-                    <a:pt x="1760" y="1619"/>
-                  </a:lnTo>
-                  <a:lnTo>
-                    <a:pt x="1787" y="1513"/>
-                  </a:lnTo>
-                  <a:lnTo>
-                    <a:pt x="1824" y="1409"/>
-                  </a:lnTo>
-                  <a:lnTo>
-                    <a:pt x="1868" y="1310"/>
-                  </a:lnTo>
-                  <a:lnTo>
-                    <a:pt x="1918" y="1215"/>
-                  </a:lnTo>
-                  <a:lnTo>
-                    <a:pt x="1978" y="1126"/>
-                  </a:lnTo>
-                  <a:lnTo>
-                    <a:pt x="2009" y="1083"/>
-                  </a:lnTo>
-                  <a:lnTo>
-                    <a:pt x="1622" y="166"/>
-                  </a:lnTo>
-                  <a:lnTo>
-                    <a:pt x="659" y="0"/>
-                  </a:lnTo>
-                  <a:lnTo>
-                    <a:pt x="583" y="99"/>
-                  </a:lnTo>
-                  <a:lnTo>
-                    <a:pt x="445" y="308"/>
-                  </a:lnTo>
-                  <a:lnTo>
-                    <a:pt x="323" y="528"/>
-                  </a:lnTo>
-                  <a:lnTo>
-                    <a:pt x="219" y="759"/>
-                  </a:lnTo>
-                  <a:lnTo>
-                    <a:pt x="135" y="999"/>
-                  </a:lnTo>
-                  <a:lnTo>
-                    <a:pt x="70" y="1247"/>
-                  </a:lnTo>
-                  <a:lnTo>
-                    <a:pt x="25" y="1504"/>
-                  </a:lnTo>
-                  <a:lnTo>
-                    <a:pt x="3" y="1767"/>
-                  </a:lnTo>
-                  <a:lnTo>
-                    <a:pt x="0" y="1901"/>
-                  </a:lnTo>
-                  <a:lnTo>
-                    <a:pt x="3" y="2030"/>
-                  </a:lnTo>
-                  <a:lnTo>
-                    <a:pt x="23" y="2283"/>
-                  </a:lnTo>
-                  <a:lnTo>
-                    <a:pt x="43" y="2406"/>
-                  </a:lnTo>
-                  <a:lnTo>
-                    <a:pt x="767" y="1762"/>
-                  </a:lnTo>
-                  <a:lnTo>
-                    <a:pt x="1737" y="2034"/>
-                  </a:lnTo>
-                  <a:close/>
-                </a:path>
-              </a:pathLst>
-            </a:custGeom>
-            <a:solidFill>
-              <a:schemeClr val="bg1">
-                <a:lumMod val="50000"/>
-              </a:schemeClr>
-            </a:solidFill>
-            <a:ln>
-              <a:noFill/>
-            </a:ln>
-          </p:spPr>
-          <p:txBody>
-            <a:bodyPr spcFirstLastPara="1" wrap="square" lIns="342900" tIns="34275" rIns="68575" bIns="34275" anchor="ctr" anchorCtr="0">
-              <a:noAutofit/>
-            </a:bodyPr>
-            <a:lstStyle/>
-            <a:p>
-              <a:pPr algn="ctr"/>
-              <a:endParaRPr sz="1800" b="1">
-                <a:solidFill>
-                  <a:schemeClr val="bg1"/>
-                </a:solidFill>
-                <a:latin typeface="Times New Roman" panose="02020603050405020304" pitchFamily="18" charset="0"/>
-                <a:ea typeface="Verdana"/>
-                <a:cs typeface="Times New Roman" panose="02020603050405020304" pitchFamily="18" charset="0"/>
-                <a:sym typeface="Verdana"/>
-              </a:endParaRPr>
-            </a:p>
-          </p:txBody>
-        </p:sp>
-        <p:sp>
-          <p:nvSpPr>
-            <p:cNvPr id="6" name="Google Shape;186;p3">
-              <a:extLst>
-                <a:ext uri="{FF2B5EF4-FFF2-40B4-BE49-F238E27FC236}">
-                  <a16:creationId xmlns:a16="http://schemas.microsoft.com/office/drawing/2014/main" id="{D0766831-5342-B557-CCFE-EA80F3D56192}"/>
-                </a:ext>
-              </a:extLst>
-            </p:cNvPr>
-            <p:cNvSpPr/>
-            <p:nvPr/>
-          </p:nvSpPr>
-          <p:spPr>
-            <a:xfrm rot="16590835">
-              <a:off x="2228717" y="3266562"/>
-              <a:ext cx="1580918" cy="1222670"/>
-            </a:xfrm>
-            <a:custGeom>
-              <a:avLst/>
-              <a:gdLst/>
-              <a:ahLst/>
-              <a:cxnLst/>
-              <a:rect l="l" t="t" r="r" b="b"/>
-              <a:pathLst>
-                <a:path w="2736" h="2113" extrusionOk="0">
-                  <a:moveTo>
-                    <a:pt x="1348" y="2113"/>
-                  </a:moveTo>
-                  <a:lnTo>
-                    <a:pt x="1393" y="2070"/>
-                  </a:lnTo>
-                  <a:lnTo>
-                    <a:pt x="1490" y="1993"/>
-                  </a:lnTo>
-                  <a:lnTo>
-                    <a:pt x="1594" y="1923"/>
-                  </a:lnTo>
-                  <a:lnTo>
-                    <a:pt x="1703" y="1863"/>
-                  </a:lnTo>
-                  <a:lnTo>
-                    <a:pt x="1820" y="1814"/>
-                  </a:lnTo>
-                  <a:lnTo>
-                    <a:pt x="1941" y="1776"/>
-                  </a:lnTo>
-                  <a:lnTo>
-                    <a:pt x="2067" y="1749"/>
-                  </a:lnTo>
-                  <a:lnTo>
-                    <a:pt x="2197" y="1733"/>
-                  </a:lnTo>
-                  <a:lnTo>
-                    <a:pt x="2263" y="1731"/>
-                  </a:lnTo>
-                  <a:lnTo>
-                    <a:pt x="2736" y="860"/>
-                  </a:lnTo>
-                  <a:lnTo>
-                    <a:pt x="2264" y="0"/>
-                  </a:lnTo>
-                  <a:lnTo>
-                    <a:pt x="2180" y="2"/>
-                  </a:lnTo>
-                  <a:lnTo>
-                    <a:pt x="2014" y="12"/>
-                  </a:lnTo>
-                  <a:lnTo>
-                    <a:pt x="1851" y="32"/>
-                  </a:lnTo>
-                  <a:lnTo>
-                    <a:pt x="1689" y="59"/>
-                  </a:lnTo>
-                  <a:lnTo>
-                    <a:pt x="1531" y="94"/>
-                  </a:lnTo>
-                  <a:lnTo>
-                    <a:pt x="1376" y="138"/>
-                  </a:lnTo>
-                  <a:lnTo>
-                    <a:pt x="1225" y="190"/>
-                  </a:lnTo>
-                  <a:lnTo>
-                    <a:pt x="1077" y="248"/>
-                  </a:lnTo>
-                  <a:lnTo>
-                    <a:pt x="932" y="314"/>
-                  </a:lnTo>
-                  <a:lnTo>
-                    <a:pt x="792" y="388"/>
-                  </a:lnTo>
-                  <a:lnTo>
-                    <a:pt x="657" y="468"/>
-                  </a:lnTo>
-                  <a:lnTo>
-                    <a:pt x="526" y="555"/>
-                  </a:lnTo>
-                  <a:lnTo>
-                    <a:pt x="399" y="649"/>
-                  </a:lnTo>
-                  <a:lnTo>
-                    <a:pt x="279" y="747"/>
-                  </a:lnTo>
-                  <a:lnTo>
-                    <a:pt x="163" y="853"/>
-                  </a:lnTo>
-                  <a:lnTo>
-                    <a:pt x="52" y="964"/>
-                  </a:lnTo>
-                  <a:lnTo>
-                    <a:pt x="0" y="1022"/>
-                  </a:lnTo>
-                  <a:lnTo>
-                    <a:pt x="956" y="1188"/>
-                  </a:lnTo>
-                  <a:lnTo>
-                    <a:pt x="1348" y="2113"/>
-                  </a:lnTo>
-                  <a:close/>
-                </a:path>
-              </a:pathLst>
-            </a:custGeom>
-            <a:solidFill>
-              <a:schemeClr val="bg1">
-                <a:lumMod val="50000"/>
-              </a:schemeClr>
-            </a:solidFill>
-            <a:ln>
-              <a:noFill/>
-            </a:ln>
-          </p:spPr>
-          <p:txBody>
-            <a:bodyPr spcFirstLastPara="1" wrap="square" lIns="342900" tIns="34275" rIns="68575" bIns="34275" anchor="ctr" anchorCtr="0">
-              <a:noAutofit/>
-            </a:bodyPr>
-            <a:lstStyle/>
-            <a:p>
-              <a:pPr algn="ctr"/>
-              <a:endParaRPr sz="1800" b="1" dirty="0">
-                <a:solidFill>
-                  <a:schemeClr val="bg1"/>
-                </a:solidFill>
-                <a:latin typeface="Times New Roman" panose="02020603050405020304" pitchFamily="18" charset="0"/>
-                <a:ea typeface="Verdana"/>
-                <a:cs typeface="Times New Roman" panose="02020603050405020304" pitchFamily="18" charset="0"/>
-                <a:sym typeface="Verdana"/>
-              </a:endParaRPr>
-            </a:p>
-          </p:txBody>
-        </p:sp>
-        <p:sp>
-          <p:nvSpPr>
-            <p:cNvPr id="7" name="Google Shape;189;p3">
-              <a:extLst>
-                <a:ext uri="{FF2B5EF4-FFF2-40B4-BE49-F238E27FC236}">
-                  <a16:creationId xmlns:a16="http://schemas.microsoft.com/office/drawing/2014/main" id="{CDE71E70-D2C7-70DA-FF87-54DFB38C46A9}"/>
-                </a:ext>
-              </a:extLst>
-            </p:cNvPr>
-            <p:cNvSpPr txBox="1"/>
-            <p:nvPr/>
-          </p:nvSpPr>
-          <p:spPr>
-            <a:xfrm>
-              <a:off x="4288921" y="4500707"/>
-              <a:ext cx="845103" cy="369332"/>
-            </a:xfrm>
-            <a:prstGeom prst="rect">
-              <a:avLst/>
-            </a:prstGeom>
-            <a:noFill/>
-            <a:ln>
-              <a:noFill/>
-            </a:ln>
-          </p:spPr>
-          <p:txBody>
-            <a:bodyPr spcFirstLastPara="1" wrap="square" lIns="91425" tIns="45700" rIns="91425" bIns="45700" anchor="ctr" anchorCtr="0">
-              <a:spAutoFit/>
-            </a:bodyPr>
-            <a:lstStyle/>
-            <a:p>
-              <a:pPr marL="0" marR="0" lvl="0" indent="0" algn="ctr" rtl="0">
-                <a:spcBef>
-                  <a:spcPts val="0"/>
-                </a:spcBef>
-                <a:spcAft>
-                  <a:spcPts val="0"/>
-                </a:spcAft>
-                <a:buNone/>
-              </a:pPr>
-              <a:r>
-                <a:rPr lang="en-US" sz="1800" b="1" dirty="0">
-                  <a:solidFill>
-                    <a:schemeClr val="bg1"/>
-                  </a:solidFill>
-                  <a:latin typeface="Times New Roman" panose="02020603050405020304" pitchFamily="18" charset="0"/>
-                  <a:ea typeface="Verdana"/>
-                  <a:cs typeface="Times New Roman" panose="02020603050405020304" pitchFamily="18" charset="0"/>
-                  <a:sym typeface="Verdana"/>
-                </a:rPr>
-                <a:t>Build</a:t>
-              </a:r>
-              <a:endParaRPr sz="1800" dirty="0">
-                <a:solidFill>
-                  <a:schemeClr val="bg1"/>
-                </a:solidFill>
-                <a:latin typeface="Times New Roman" panose="02020603050405020304" pitchFamily="18" charset="0"/>
-                <a:cs typeface="Times New Roman" panose="02020603050405020304" pitchFamily="18" charset="0"/>
-              </a:endParaRPr>
-            </a:p>
-          </p:txBody>
-        </p:sp>
-        <p:sp>
-          <p:nvSpPr>
-            <p:cNvPr id="8" name="Google Shape;190;p3">
-              <a:extLst>
-                <a:ext uri="{FF2B5EF4-FFF2-40B4-BE49-F238E27FC236}">
-                  <a16:creationId xmlns:a16="http://schemas.microsoft.com/office/drawing/2014/main" id="{819C6EE2-10BB-B213-C7BF-D33E98382714}"/>
-                </a:ext>
-              </a:extLst>
-            </p:cNvPr>
-            <p:cNvSpPr txBox="1"/>
-            <p:nvPr/>
-          </p:nvSpPr>
-          <p:spPr>
-            <a:xfrm>
-              <a:off x="2421095" y="3519922"/>
-              <a:ext cx="1196161" cy="369332"/>
-            </a:xfrm>
-            <a:prstGeom prst="rect">
-              <a:avLst/>
-            </a:prstGeom>
-            <a:noFill/>
-            <a:ln>
-              <a:noFill/>
-            </a:ln>
-          </p:spPr>
-          <p:txBody>
-            <a:bodyPr spcFirstLastPara="1" wrap="square" lIns="91425" tIns="45700" rIns="91425" bIns="45700" anchor="ctr" anchorCtr="0">
-              <a:spAutoFit/>
-            </a:bodyPr>
-            <a:lstStyle/>
-            <a:p>
-              <a:pPr marL="0" marR="0" lvl="0" indent="0" algn="ctr" rtl="0">
-                <a:spcBef>
-                  <a:spcPts val="0"/>
-                </a:spcBef>
-                <a:spcAft>
-                  <a:spcPts val="0"/>
-                </a:spcAft>
-                <a:buNone/>
-              </a:pPr>
-              <a:r>
-                <a:rPr lang="en-US" sz="1800" b="1" dirty="0">
-                  <a:solidFill>
-                    <a:schemeClr val="bg1"/>
-                  </a:solidFill>
-                  <a:latin typeface="Times New Roman" panose="02020603050405020304" pitchFamily="18" charset="0"/>
-                  <a:ea typeface="Verdana"/>
-                  <a:cs typeface="Times New Roman" panose="02020603050405020304" pitchFamily="18" charset="0"/>
-                  <a:sym typeface="Verdana"/>
-                </a:rPr>
-                <a:t>Release</a:t>
-              </a:r>
-              <a:endParaRPr sz="1800" dirty="0">
-                <a:solidFill>
-                  <a:schemeClr val="bg1"/>
-                </a:solidFill>
-                <a:latin typeface="Times New Roman" panose="02020603050405020304" pitchFamily="18" charset="0"/>
-                <a:cs typeface="Times New Roman" panose="02020603050405020304" pitchFamily="18" charset="0"/>
-              </a:endParaRPr>
-            </a:p>
-          </p:txBody>
-        </p:sp>
-        <p:sp>
-          <p:nvSpPr>
-            <p:cNvPr id="9" name="Google Shape;192;p3">
-              <a:extLst>
-                <a:ext uri="{FF2B5EF4-FFF2-40B4-BE49-F238E27FC236}">
-                  <a16:creationId xmlns:a16="http://schemas.microsoft.com/office/drawing/2014/main" id="{D31A2894-258E-3858-EA6A-9F2D27CFD5B6}"/>
-                </a:ext>
-              </a:extLst>
-            </p:cNvPr>
-            <p:cNvSpPr txBox="1"/>
-            <p:nvPr/>
-          </p:nvSpPr>
-          <p:spPr>
-            <a:xfrm>
-              <a:off x="3225028" y="4439961"/>
-              <a:ext cx="737701" cy="369332"/>
-            </a:xfrm>
-            <a:prstGeom prst="rect">
-              <a:avLst/>
-            </a:prstGeom>
-            <a:noFill/>
-            <a:ln>
-              <a:noFill/>
-            </a:ln>
-          </p:spPr>
-          <p:txBody>
-            <a:bodyPr spcFirstLastPara="1" wrap="square" lIns="91425" tIns="45700" rIns="91425" bIns="45700" anchor="ctr" anchorCtr="0">
-              <a:spAutoFit/>
-            </a:bodyPr>
-            <a:lstStyle/>
-            <a:p>
-              <a:pPr marL="0" marR="0" lvl="0" indent="0" algn="ctr" rtl="0">
-                <a:spcBef>
-                  <a:spcPts val="0"/>
-                </a:spcBef>
-                <a:spcAft>
-                  <a:spcPts val="0"/>
-                </a:spcAft>
-                <a:buNone/>
-              </a:pPr>
-              <a:r>
-                <a:rPr lang="en-US" sz="1800" b="1" dirty="0">
-                  <a:solidFill>
-                    <a:schemeClr val="bg1"/>
-                  </a:solidFill>
-                  <a:latin typeface="Times New Roman" panose="02020603050405020304" pitchFamily="18" charset="0"/>
-                  <a:ea typeface="Verdana"/>
-                  <a:cs typeface="Times New Roman" panose="02020603050405020304" pitchFamily="18" charset="0"/>
-                  <a:sym typeface="Verdana"/>
-                </a:rPr>
-                <a:t>Test</a:t>
-              </a:r>
-              <a:endParaRPr sz="1800" dirty="0">
-                <a:solidFill>
-                  <a:schemeClr val="bg1"/>
-                </a:solidFill>
-                <a:latin typeface="Times New Roman" panose="02020603050405020304" pitchFamily="18" charset="0"/>
-                <a:cs typeface="Times New Roman" panose="02020603050405020304" pitchFamily="18" charset="0"/>
-              </a:endParaRPr>
-            </a:p>
-          </p:txBody>
-        </p:sp>
-        <p:sp>
-          <p:nvSpPr>
-            <p:cNvPr id="10" name="TextBox 9">
-              <a:extLst>
-                <a:ext uri="{FF2B5EF4-FFF2-40B4-BE49-F238E27FC236}">
-                  <a16:creationId xmlns:a16="http://schemas.microsoft.com/office/drawing/2014/main" id="{62BBDA02-FB16-41FD-9E44-524DA4075265}"/>
-                </a:ext>
-              </a:extLst>
-            </p:cNvPr>
-            <p:cNvSpPr txBox="1"/>
-            <p:nvPr/>
-          </p:nvSpPr>
-          <p:spPr>
-            <a:xfrm>
-              <a:off x="5149926" y="3623078"/>
-              <a:ext cx="640367" cy="369332"/>
-            </a:xfrm>
-            <a:prstGeom prst="rect">
-              <a:avLst/>
-            </a:prstGeom>
-            <a:noFill/>
-            <a:ln>
-              <a:noFill/>
-            </a:ln>
-          </p:spPr>
-          <p:txBody>
-            <a:bodyPr wrap="square">
-              <a:spAutoFit/>
-            </a:bodyPr>
-            <a:lstStyle/>
-            <a:p>
-              <a:r>
-                <a:rPr lang="en-US" sz="1800" b="1" dirty="0">
-                  <a:solidFill>
-                    <a:schemeClr val="bg1"/>
-                  </a:solidFill>
-                  <a:latin typeface="Times New Roman" panose="02020603050405020304" pitchFamily="18" charset="0"/>
-                  <a:ea typeface="Verdana"/>
-                  <a:cs typeface="Times New Roman" panose="02020603050405020304" pitchFamily="18" charset="0"/>
-                  <a:sym typeface="Verdana"/>
-                </a:rPr>
-                <a:t>Dev</a:t>
-              </a:r>
-              <a:endParaRPr lang="en-US" sz="1800" dirty="0"/>
-            </a:p>
-          </p:txBody>
-        </p:sp>
-      </p:grpSp>
     </p:spTree>
     <p:extLst>
       <p:ext uri="{BB962C8B-B14F-4D97-AF65-F5344CB8AC3E}">
@@ -17793,7 +17136,7 @@
           <a:effectLst/>
           <a:extLst>
             <a:ext uri="{AF507438-7753-43e0-B8FC-AC1667EBCBE1}">
-              <a14:hiddenEffects xmlns:a14="http://schemas.microsoft.com/office/drawing/2010/main" xmlns="">
+              <a14:hiddenEffects xmlns="" xmlns:a14="http://schemas.microsoft.com/office/drawing/2010/main">
                 <a:effectLst>
                   <a:outerShdw blurRad="63500" dist="38099" dir="2700000" algn="ctr" rotWithShape="0">
                     <a:schemeClr val="bg2">
@@ -17989,7 +17332,7 @@
             <a:effectLst/>
             <a:extLst>
               <a:ext uri="{AF507438-7753-43e0-B8FC-AC1667EBCBE1}">
-                <a14:hiddenEffects xmlns:a14="http://schemas.microsoft.com/office/drawing/2010/main" xmlns="">
+                <a14:hiddenEffects xmlns="" xmlns:a14="http://schemas.microsoft.com/office/drawing/2010/main">
                   <a:effectLst>
                     <a:outerShdw blurRad="63500" dist="38099" dir="2700000" algn="ctr" rotWithShape="0">
                       <a:schemeClr val="bg2">
@@ -18115,7 +17458,7 @@
           <a:effectLst/>
           <a:extLst>
             <a:ext uri="{AF507438-7753-43e0-B8FC-AC1667EBCBE1}">
-              <a14:hiddenEffects xmlns:a14="http://schemas.microsoft.com/office/drawing/2010/main" xmlns="">
+              <a14:hiddenEffects xmlns="" xmlns:a14="http://schemas.microsoft.com/office/drawing/2010/main">
                 <a:effectLst>
                   <a:outerShdw blurRad="63500" dist="38099" dir="2700000" algn="ctr" rotWithShape="0">
                     <a:schemeClr val="bg2">
@@ -18201,7 +17544,7 @@
           <a:effectLst/>
           <a:extLst>
             <a:ext uri="{AF507438-7753-43e0-B8FC-AC1667EBCBE1}">
-              <a14:hiddenEffects xmlns:a14="http://schemas.microsoft.com/office/drawing/2010/main" xmlns="">
+              <a14:hiddenEffects xmlns="" xmlns:a14="http://schemas.microsoft.com/office/drawing/2010/main">
                 <a:effectLst>
                   <a:outerShdw blurRad="63500" dist="38099" dir="2700000" algn="ctr" rotWithShape="0">
                     <a:schemeClr val="bg2">
@@ -18378,7 +17721,7 @@
           <a:effectLst/>
           <a:extLst>
             <a:ext uri="{AF507438-7753-43e0-B8FC-AC1667EBCBE1}">
-              <a14:hiddenEffects xmlns:a14="http://schemas.microsoft.com/office/drawing/2010/main" xmlns="">
+              <a14:hiddenEffects xmlns="" xmlns:a14="http://schemas.microsoft.com/office/drawing/2010/main">
                 <a:effectLst>
                   <a:outerShdw blurRad="63500" dist="38099" dir="2700000" algn="ctr" rotWithShape="0">
                     <a:schemeClr val="bg2">
@@ -18462,7 +17805,7 @@
           <a:effectLst/>
           <a:extLst>
             <a:ext uri="{AF507438-7753-43e0-B8FC-AC1667EBCBE1}">
-              <a14:hiddenEffects xmlns:a14="http://schemas.microsoft.com/office/drawing/2010/main" xmlns="">
+              <a14:hiddenEffects xmlns="" xmlns:a14="http://schemas.microsoft.com/office/drawing/2010/main">
                 <a:effectLst>
                   <a:outerShdw blurRad="63500" dist="38099" dir="2700000" algn="ctr" rotWithShape="0">
                     <a:schemeClr val="bg2">
@@ -18920,7 +18263,7 @@
           <a:effectLst/>
           <a:extLst>
             <a:ext uri="{AF507438-7753-43e0-B8FC-AC1667EBCBE1}">
-              <a14:hiddenEffects xmlns:a14="http://schemas.microsoft.com/office/drawing/2010/main" xmlns="">
+              <a14:hiddenEffects xmlns="" xmlns:a14="http://schemas.microsoft.com/office/drawing/2010/main">
                 <a:effectLst>
                   <a:outerShdw blurRad="63500" dist="38099" dir="2700000" algn="ctr" rotWithShape="0">
                     <a:schemeClr val="bg2">
@@ -19148,7 +18491,7 @@
           <a:effectLst/>
           <a:extLst>
             <a:ext uri="{AF507438-7753-43e0-B8FC-AC1667EBCBE1}">
-              <a14:hiddenEffects xmlns:a14="http://schemas.microsoft.com/office/drawing/2010/main" xmlns="">
+              <a14:hiddenEffects xmlns="" xmlns:a14="http://schemas.microsoft.com/office/drawing/2010/main">
                 <a:effectLst>
                   <a:outerShdw blurRad="63500" dist="38099" dir="2700000" algn="ctr" rotWithShape="0">
                     <a:schemeClr val="bg2">
@@ -19234,7 +18577,7 @@
           <a:effectLst/>
           <a:extLst>
             <a:ext uri="{AF507438-7753-43e0-B8FC-AC1667EBCBE1}">
-              <a14:hiddenEffects xmlns:a14="http://schemas.microsoft.com/office/drawing/2010/main" xmlns="">
+              <a14:hiddenEffects xmlns="" xmlns:a14="http://schemas.microsoft.com/office/drawing/2010/main">
                 <a:effectLst>
                   <a:outerShdw blurRad="63500" dist="38099" dir="2700000" algn="ctr" rotWithShape="0">
                     <a:schemeClr val="bg2">
@@ -19320,7 +18663,7 @@
           <a:effectLst/>
           <a:extLst>
             <a:ext uri="{AF507438-7753-43e0-B8FC-AC1667EBCBE1}">
-              <a14:hiddenEffects xmlns:a14="http://schemas.microsoft.com/office/drawing/2010/main" xmlns="">
+              <a14:hiddenEffects xmlns="" xmlns:a14="http://schemas.microsoft.com/office/drawing/2010/main">
                 <a:effectLst>
                   <a:outerShdw blurRad="63500" dist="38099" dir="2700000" algn="ctr" rotWithShape="0">
                     <a:schemeClr val="bg2">
@@ -19406,7 +18749,7 @@
           <a:effectLst/>
           <a:extLst>
             <a:ext uri="{AF507438-7753-43e0-B8FC-AC1667EBCBE1}">
-              <a14:hiddenEffects xmlns:a14="http://schemas.microsoft.com/office/drawing/2010/main" xmlns="">
+              <a14:hiddenEffects xmlns="" xmlns:a14="http://schemas.microsoft.com/office/drawing/2010/main">
                 <a:effectLst>
                   <a:outerShdw blurRad="63500" dist="38099" dir="2700000" algn="ctr" rotWithShape="0">
                     <a:schemeClr val="bg2">
@@ -19644,7 +18987,7 @@
           <a:effectLst/>
           <a:extLst>
             <a:ext uri="{AF507438-7753-43e0-B8FC-AC1667EBCBE1}">
-              <a14:hiddenEffects xmlns:a14="http://schemas.microsoft.com/office/drawing/2010/main" xmlns="">
+              <a14:hiddenEffects xmlns="" xmlns:a14="http://schemas.microsoft.com/office/drawing/2010/main">
                 <a:effectLst>
                   <a:outerShdw blurRad="63500" dist="38099" dir="2700000" algn="ctr" rotWithShape="0">
                     <a:schemeClr val="bg2">
@@ -19801,7 +19144,7 @@
           <a:effectLst/>
           <a:extLst>
             <a:ext uri="{AF507438-7753-43e0-B8FC-AC1667EBCBE1}">
-              <a14:hiddenEffects xmlns:a14="http://schemas.microsoft.com/office/drawing/2010/main" xmlns="">
+              <a14:hiddenEffects xmlns="" xmlns:a14="http://schemas.microsoft.com/office/drawing/2010/main">
                 <a:effectLst>
                   <a:outerShdw blurRad="63500" dist="38099" dir="2700000" algn="ctr" rotWithShape="0">
                     <a:schemeClr val="bg2">
@@ -19887,7 +19230,7 @@
           <a:effectLst/>
           <a:extLst>
             <a:ext uri="{AF507438-7753-43e0-B8FC-AC1667EBCBE1}">
-              <a14:hiddenEffects xmlns:a14="http://schemas.microsoft.com/office/drawing/2010/main" xmlns="">
+              <a14:hiddenEffects xmlns="" xmlns:a14="http://schemas.microsoft.com/office/drawing/2010/main">
                 <a:effectLst>
                   <a:outerShdw blurRad="63500" dist="38099" dir="2700000" algn="ctr" rotWithShape="0">
                     <a:schemeClr val="bg2">
@@ -20421,7 +19764,7 @@
         <a:effectLst/>
         <a:extLst>
           <a:ext uri="{AF507438-7753-43e0-B8FC-AC1667EBCBE1}">
-            <a14:hiddenEffects xmlns:a14="http://schemas.microsoft.com/office/drawing/2010/main" xmlns="">
+            <a14:hiddenEffects xmlns="" xmlns:a14="http://schemas.microsoft.com/office/drawing/2010/main">
               <a:effectLst>
                 <a:outerShdw blurRad="63500" dist="38099" dir="2700000" algn="ctr" rotWithShape="0">
                   <a:schemeClr val="bg2">
@@ -20498,7 +19841,7 @@
         <a:effectLst/>
         <a:extLst>
           <a:ext uri="{AF507438-7753-43e0-B8FC-AC1667EBCBE1}">
-            <a14:hiddenEffects xmlns:a14="http://schemas.microsoft.com/office/drawing/2010/main" xmlns="">
+            <a14:hiddenEffects xmlns="" xmlns:a14="http://schemas.microsoft.com/office/drawing/2010/main">
               <a:effectLst>
                 <a:outerShdw blurRad="63500" dist="38099" dir="2700000" algn="ctr" rotWithShape="0">
                   <a:schemeClr val="bg2">
